--- a/Chapter 2. Python for Data Scientists/Module 2. SQL/1. SQL Joins.pptx
+++ b/Chapter 2. Python for Data Scientists/Module 2. SQL/1. SQL Joins.pptx
@@ -279,7 +279,7 @@
           <a:p>
             <a:fld id="{E599F35C-47D7-4D5C-86B9-1F4D06A91C96}" type="datetimeFigureOut">
               <a:rPr lang="en-GB" smtClean="0"/>
-              <a:t>01/07/2020</a:t>
+              <a:t>01/09/2020</a:t>
             </a:fld>
             <a:endParaRPr lang="en-GB"/>
           </a:p>
@@ -479,7 +479,7 @@
           <a:p>
             <a:fld id="{E599F35C-47D7-4D5C-86B9-1F4D06A91C96}" type="datetimeFigureOut">
               <a:rPr lang="en-GB" smtClean="0"/>
-              <a:t>01/07/2020</a:t>
+              <a:t>01/09/2020</a:t>
             </a:fld>
             <a:endParaRPr lang="en-GB"/>
           </a:p>
@@ -689,7 +689,7 @@
           <a:p>
             <a:fld id="{E599F35C-47D7-4D5C-86B9-1F4D06A91C96}" type="datetimeFigureOut">
               <a:rPr lang="en-GB" smtClean="0"/>
-              <a:t>01/07/2020</a:t>
+              <a:t>01/09/2020</a:t>
             </a:fld>
             <a:endParaRPr lang="en-GB"/>
           </a:p>
@@ -889,7 +889,7 @@
           <a:p>
             <a:fld id="{E599F35C-47D7-4D5C-86B9-1F4D06A91C96}" type="datetimeFigureOut">
               <a:rPr lang="en-GB" smtClean="0"/>
-              <a:t>01/07/2020</a:t>
+              <a:t>01/09/2020</a:t>
             </a:fld>
             <a:endParaRPr lang="en-GB"/>
           </a:p>
@@ -1165,7 +1165,7 @@
           <a:p>
             <a:fld id="{E599F35C-47D7-4D5C-86B9-1F4D06A91C96}" type="datetimeFigureOut">
               <a:rPr lang="en-GB" smtClean="0"/>
-              <a:t>01/07/2020</a:t>
+              <a:t>01/09/2020</a:t>
             </a:fld>
             <a:endParaRPr lang="en-GB"/>
           </a:p>
@@ -1433,7 +1433,7 @@
           <a:p>
             <a:fld id="{E599F35C-47D7-4D5C-86B9-1F4D06A91C96}" type="datetimeFigureOut">
               <a:rPr lang="en-GB" smtClean="0"/>
-              <a:t>01/07/2020</a:t>
+              <a:t>01/09/2020</a:t>
             </a:fld>
             <a:endParaRPr lang="en-GB"/>
           </a:p>
@@ -1848,7 +1848,7 @@
           <a:p>
             <a:fld id="{E599F35C-47D7-4D5C-86B9-1F4D06A91C96}" type="datetimeFigureOut">
               <a:rPr lang="en-GB" smtClean="0"/>
-              <a:t>01/07/2020</a:t>
+              <a:t>01/09/2020</a:t>
             </a:fld>
             <a:endParaRPr lang="en-GB"/>
           </a:p>
@@ -1990,7 +1990,7 @@
           <a:p>
             <a:fld id="{E599F35C-47D7-4D5C-86B9-1F4D06A91C96}" type="datetimeFigureOut">
               <a:rPr lang="en-GB" smtClean="0"/>
-              <a:t>01/07/2020</a:t>
+              <a:t>01/09/2020</a:t>
             </a:fld>
             <a:endParaRPr lang="en-GB"/>
           </a:p>
@@ -2103,7 +2103,7 @@
           <a:p>
             <a:fld id="{E599F35C-47D7-4D5C-86B9-1F4D06A91C96}" type="datetimeFigureOut">
               <a:rPr lang="en-GB" smtClean="0"/>
-              <a:t>01/07/2020</a:t>
+              <a:t>01/09/2020</a:t>
             </a:fld>
             <a:endParaRPr lang="en-GB"/>
           </a:p>
@@ -2416,7 +2416,7 @@
           <a:p>
             <a:fld id="{E599F35C-47D7-4D5C-86B9-1F4D06A91C96}" type="datetimeFigureOut">
               <a:rPr lang="en-GB" smtClean="0"/>
-              <a:t>01/07/2020</a:t>
+              <a:t>01/09/2020</a:t>
             </a:fld>
             <a:endParaRPr lang="en-GB"/>
           </a:p>
@@ -2705,7 +2705,7 @@
           <a:p>
             <a:fld id="{E599F35C-47D7-4D5C-86B9-1F4D06A91C96}" type="datetimeFigureOut">
               <a:rPr lang="en-GB" smtClean="0"/>
-              <a:t>01/07/2020</a:t>
+              <a:t>01/09/2020</a:t>
             </a:fld>
             <a:endParaRPr lang="en-GB"/>
           </a:p>
@@ -2948,7 +2948,7 @@
           <a:p>
             <a:fld id="{E599F35C-47D7-4D5C-86B9-1F4D06A91C96}" type="datetimeFigureOut">
               <a:rPr lang="en-GB" smtClean="0"/>
-              <a:t>01/07/2020</a:t>
+              <a:t>01/09/2020</a:t>
             </a:fld>
             <a:endParaRPr lang="en-GB"/>
           </a:p>
@@ -11132,7 +11132,7 @@
         </p:nvSpPr>
         <p:spPr>
           <a:xfrm>
-            <a:off x="6015519" y="3886246"/>
+            <a:off x="6015519" y="3891383"/>
             <a:ext cx="5589142" cy="2243531"/>
           </a:xfrm>
           <a:prstGeom prst="rect">
